--- a/src/ppt6.pptx
+++ b/src/ppt6.pptx
@@ -113,7 +113,7 @@
   </p:defaultTextStyle>
   <p:extLst>
     <p:ext uri="{EFAFB233-063F-42B5-8137-9DF3F51BA10A}">
-      <p15:sldGuideLst xmlns="" xmlns:p15="http://schemas.microsoft.com/office/powerpoint/2012/main"/>
+      <p15:sldGuideLst xmlns:p15="http://schemas.microsoft.com/office/powerpoint/2012/main" xmlns=""/>
     </p:ext>
   </p:extLst>
 </p:presentation>
@@ -842,7 +842,7 @@
             <a:fld id="{48A87A34-81AB-432B-8DAE-1953F412C126}" type="datetimeFigureOut">
               <a:rPr lang="en-US" smtClean="0"/>
               <a:pPr/>
-              <a:t>10/9/2017</a:t>
+              <a:t>10/24/2017</a:t>
             </a:fld>
             <a:endParaRPr lang="en-US" dirty="0"/>
           </a:p>
@@ -894,7 +894,7 @@
     </p:spTree>
     <p:extLst>
       <p:ext uri="{BB962C8B-B14F-4D97-AF65-F5344CB8AC3E}">
-        <p14:creationId xmlns="" xmlns:p14="http://schemas.microsoft.com/office/powerpoint/2010/main" val="2379700270"/>
+        <p14:creationId xmlns:p14="http://schemas.microsoft.com/office/powerpoint/2010/main" xmlns="" val="2379700270"/>
       </p:ext>
     </p:extLst>
   </p:cSld>
@@ -1095,7 +1095,7 @@
             <a:fld id="{48A87A34-81AB-432B-8DAE-1953F412C126}" type="datetimeFigureOut">
               <a:rPr lang="en-US" smtClean="0"/>
               <a:pPr/>
-              <a:t>10/9/2017</a:t>
+              <a:t>10/24/2017</a:t>
             </a:fld>
             <a:endParaRPr lang="en-US" dirty="0"/>
           </a:p>
@@ -1147,7 +1147,7 @@
     </p:spTree>
     <p:extLst>
       <p:ext uri="{BB962C8B-B14F-4D97-AF65-F5344CB8AC3E}">
-        <p14:creationId xmlns="" xmlns:p14="http://schemas.microsoft.com/office/powerpoint/2010/main" val="1804991245"/>
+        <p14:creationId xmlns:p14="http://schemas.microsoft.com/office/powerpoint/2010/main" xmlns="" val="1804991245"/>
       </p:ext>
     </p:extLst>
   </p:cSld>
@@ -1411,7 +1411,7 @@
             <a:fld id="{48A87A34-81AB-432B-8DAE-1953F412C126}" type="datetimeFigureOut">
               <a:rPr lang="en-US" smtClean="0"/>
               <a:pPr/>
-              <a:t>10/9/2017</a:t>
+              <a:t>10/24/2017</a:t>
             </a:fld>
             <a:endParaRPr lang="en-US" dirty="0"/>
           </a:p>
@@ -1553,7 +1553,7 @@
     </p:spTree>
     <p:extLst>
       <p:ext uri="{BB962C8B-B14F-4D97-AF65-F5344CB8AC3E}">
-        <p14:creationId xmlns="" xmlns:p14="http://schemas.microsoft.com/office/powerpoint/2010/main" val="1473712570"/>
+        <p14:creationId xmlns:p14="http://schemas.microsoft.com/office/powerpoint/2010/main" xmlns="" val="1473712570"/>
       </p:ext>
     </p:extLst>
   </p:cSld>
@@ -1754,7 +1754,7 @@
             <a:fld id="{48A87A34-81AB-432B-8DAE-1953F412C126}" type="datetimeFigureOut">
               <a:rPr lang="en-US" smtClean="0"/>
               <a:pPr/>
-              <a:t>10/9/2017</a:t>
+              <a:t>10/24/2017</a:t>
             </a:fld>
             <a:endParaRPr lang="en-US" dirty="0"/>
           </a:p>
@@ -1806,7 +1806,7 @@
     </p:spTree>
     <p:extLst>
       <p:ext uri="{BB962C8B-B14F-4D97-AF65-F5344CB8AC3E}">
-        <p14:creationId xmlns="" xmlns:p14="http://schemas.microsoft.com/office/powerpoint/2010/main" val="2530574234"/>
+        <p14:creationId xmlns:p14="http://schemas.microsoft.com/office/powerpoint/2010/main" xmlns="" val="2530574234"/>
       </p:ext>
     </p:extLst>
   </p:cSld>
@@ -2070,7 +2070,7 @@
             <a:fld id="{48A87A34-81AB-432B-8DAE-1953F412C126}" type="datetimeFigureOut">
               <a:rPr lang="en-US" smtClean="0"/>
               <a:pPr/>
-              <a:t>10/9/2017</a:t>
+              <a:t>10/24/2017</a:t>
             </a:fld>
             <a:endParaRPr lang="en-US" dirty="0"/>
           </a:p>
@@ -2204,7 +2204,7 @@
     </p:spTree>
     <p:extLst>
       <p:ext uri="{BB962C8B-B14F-4D97-AF65-F5344CB8AC3E}">
-        <p14:creationId xmlns="" xmlns:p14="http://schemas.microsoft.com/office/powerpoint/2010/main" val="1004790222"/>
+        <p14:creationId xmlns:p14="http://schemas.microsoft.com/office/powerpoint/2010/main" xmlns="" val="1004790222"/>
       </p:ext>
     </p:extLst>
   </p:cSld>
@@ -2465,7 +2465,7 @@
             <a:fld id="{48A87A34-81AB-432B-8DAE-1953F412C126}" type="datetimeFigureOut">
               <a:rPr lang="en-US" smtClean="0"/>
               <a:pPr/>
-              <a:t>10/9/2017</a:t>
+              <a:t>10/24/2017</a:t>
             </a:fld>
             <a:endParaRPr lang="en-US" dirty="0"/>
           </a:p>
@@ -2517,7 +2517,7 @@
     </p:spTree>
     <p:extLst>
       <p:ext uri="{BB962C8B-B14F-4D97-AF65-F5344CB8AC3E}">
-        <p14:creationId xmlns="" xmlns:p14="http://schemas.microsoft.com/office/powerpoint/2010/main" val="3328784466"/>
+        <p14:creationId xmlns:p14="http://schemas.microsoft.com/office/powerpoint/2010/main" xmlns="" val="3328784466"/>
       </p:ext>
     </p:extLst>
   </p:cSld>
@@ -2637,7 +2637,7 @@
             <a:fld id="{48A87A34-81AB-432B-8DAE-1953F412C126}" type="datetimeFigureOut">
               <a:rPr lang="en-US" smtClean="0"/>
               <a:pPr/>
-              <a:t>10/9/2017</a:t>
+              <a:t>10/24/2017</a:t>
             </a:fld>
             <a:endParaRPr lang="en-US" dirty="0"/>
           </a:p>
@@ -2689,7 +2689,7 @@
     </p:spTree>
     <p:extLst>
       <p:ext uri="{BB962C8B-B14F-4D97-AF65-F5344CB8AC3E}">
-        <p14:creationId xmlns="" xmlns:p14="http://schemas.microsoft.com/office/powerpoint/2010/main" val="1447070425"/>
+        <p14:creationId xmlns:p14="http://schemas.microsoft.com/office/powerpoint/2010/main" xmlns="" val="1447070425"/>
       </p:ext>
     </p:extLst>
   </p:cSld>
@@ -2819,7 +2819,7 @@
             <a:fld id="{48A87A34-81AB-432B-8DAE-1953F412C126}" type="datetimeFigureOut">
               <a:rPr lang="en-US" smtClean="0"/>
               <a:pPr/>
-              <a:t>10/9/2017</a:t>
+              <a:t>10/24/2017</a:t>
             </a:fld>
             <a:endParaRPr lang="en-US" dirty="0"/>
           </a:p>
@@ -2871,7 +2871,7 @@
     </p:spTree>
     <p:extLst>
       <p:ext uri="{BB962C8B-B14F-4D97-AF65-F5344CB8AC3E}">
-        <p14:creationId xmlns="" xmlns:p14="http://schemas.microsoft.com/office/powerpoint/2010/main" val="3648480235"/>
+        <p14:creationId xmlns:p14="http://schemas.microsoft.com/office/powerpoint/2010/main" xmlns="" val="3648480235"/>
       </p:ext>
     </p:extLst>
   </p:cSld>
@@ -2997,7 +2997,7 @@
             <a:fld id="{48A87A34-81AB-432B-8DAE-1953F412C126}" type="datetimeFigureOut">
               <a:rPr lang="en-US" smtClean="0"/>
               <a:pPr/>
-              <a:t>10/9/2017</a:t>
+              <a:t>10/24/2017</a:t>
             </a:fld>
             <a:endParaRPr lang="en-US" dirty="0"/>
           </a:p>
@@ -3049,7 +3049,7 @@
     </p:spTree>
     <p:extLst>
       <p:ext uri="{BB962C8B-B14F-4D97-AF65-F5344CB8AC3E}">
-        <p14:creationId xmlns="" xmlns:p14="http://schemas.microsoft.com/office/powerpoint/2010/main" val="2649633687"/>
+        <p14:creationId xmlns:p14="http://schemas.microsoft.com/office/powerpoint/2010/main" xmlns="" val="2649633687"/>
       </p:ext>
     </p:extLst>
   </p:cSld>
@@ -3246,7 +3246,7 @@
             <a:fld id="{48A87A34-81AB-432B-8DAE-1953F412C126}" type="datetimeFigureOut">
               <a:rPr lang="en-US" smtClean="0"/>
               <a:pPr/>
-              <a:t>10/9/2017</a:t>
+              <a:t>10/24/2017</a:t>
             </a:fld>
             <a:endParaRPr lang="en-US" dirty="0"/>
           </a:p>
@@ -3298,7 +3298,7 @@
     </p:spTree>
     <p:extLst>
       <p:ext uri="{BB962C8B-B14F-4D97-AF65-F5344CB8AC3E}">
-        <p14:creationId xmlns="" xmlns:p14="http://schemas.microsoft.com/office/powerpoint/2010/main" val="572893903"/>
+        <p14:creationId xmlns:p14="http://schemas.microsoft.com/office/powerpoint/2010/main" xmlns="" val="572893903"/>
       </p:ext>
     </p:extLst>
   </p:cSld>
@@ -3480,7 +3480,7 @@
             <a:fld id="{48A87A34-81AB-432B-8DAE-1953F412C126}" type="datetimeFigureOut">
               <a:rPr lang="en-US" smtClean="0"/>
               <a:pPr/>
-              <a:t>10/9/2017</a:t>
+              <a:t>10/24/2017</a:t>
             </a:fld>
             <a:endParaRPr lang="en-US" dirty="0"/>
           </a:p>
@@ -3532,7 +3532,7 @@
     </p:spTree>
     <p:extLst>
       <p:ext uri="{BB962C8B-B14F-4D97-AF65-F5344CB8AC3E}">
-        <p14:creationId xmlns="" xmlns:p14="http://schemas.microsoft.com/office/powerpoint/2010/main" val="3918475607"/>
+        <p14:creationId xmlns:p14="http://schemas.microsoft.com/office/powerpoint/2010/main" xmlns="" val="3918475607"/>
       </p:ext>
     </p:extLst>
   </p:cSld>
@@ -3856,7 +3856,7 @@
             <a:fld id="{48A87A34-81AB-432B-8DAE-1953F412C126}" type="datetimeFigureOut">
               <a:rPr lang="en-US" smtClean="0"/>
               <a:pPr/>
-              <a:t>10/9/2017</a:t>
+              <a:t>10/24/2017</a:t>
             </a:fld>
             <a:endParaRPr lang="en-US" dirty="0"/>
           </a:p>
@@ -3908,7 +3908,7 @@
     </p:spTree>
     <p:extLst>
       <p:ext uri="{BB962C8B-B14F-4D97-AF65-F5344CB8AC3E}">
-        <p14:creationId xmlns="" xmlns:p14="http://schemas.microsoft.com/office/powerpoint/2010/main" val="70569158"/>
+        <p14:creationId xmlns:p14="http://schemas.microsoft.com/office/powerpoint/2010/main" xmlns="" val="70569158"/>
       </p:ext>
     </p:extLst>
   </p:cSld>
@@ -3981,7 +3981,7 @@
             <a:fld id="{48A87A34-81AB-432B-8DAE-1953F412C126}" type="datetimeFigureOut">
               <a:rPr lang="en-US" smtClean="0"/>
               <a:pPr/>
-              <a:t>10/9/2017</a:t>
+              <a:t>10/24/2017</a:t>
             </a:fld>
             <a:endParaRPr lang="en-US" dirty="0"/>
           </a:p>
@@ -4033,7 +4033,7 @@
     </p:spTree>
     <p:extLst>
       <p:ext uri="{BB962C8B-B14F-4D97-AF65-F5344CB8AC3E}">
-        <p14:creationId xmlns="" xmlns:p14="http://schemas.microsoft.com/office/powerpoint/2010/main" val="3956773614"/>
+        <p14:creationId xmlns:p14="http://schemas.microsoft.com/office/powerpoint/2010/main" xmlns="" val="3956773614"/>
       </p:ext>
     </p:extLst>
   </p:cSld>
@@ -4078,7 +4078,7 @@
             <a:fld id="{48A87A34-81AB-432B-8DAE-1953F412C126}" type="datetimeFigureOut">
               <a:rPr lang="en-US" smtClean="0"/>
               <a:pPr/>
-              <a:t>10/9/2017</a:t>
+              <a:t>10/24/2017</a:t>
             </a:fld>
             <a:endParaRPr lang="en-US" dirty="0"/>
           </a:p>
@@ -4130,7 +4130,7 @@
     </p:spTree>
     <p:extLst>
       <p:ext uri="{BB962C8B-B14F-4D97-AF65-F5344CB8AC3E}">
-        <p14:creationId xmlns="" xmlns:p14="http://schemas.microsoft.com/office/powerpoint/2010/main" val="843387325"/>
+        <p14:creationId xmlns:p14="http://schemas.microsoft.com/office/powerpoint/2010/main" xmlns="" val="843387325"/>
       </p:ext>
     </p:extLst>
   </p:cSld>
@@ -4335,7 +4335,7 @@
             <a:fld id="{48A87A34-81AB-432B-8DAE-1953F412C126}" type="datetimeFigureOut">
               <a:rPr lang="en-US" smtClean="0"/>
               <a:pPr/>
-              <a:t>10/9/2017</a:t>
+              <a:t>10/24/2017</a:t>
             </a:fld>
             <a:endParaRPr lang="en-US" dirty="0"/>
           </a:p>
@@ -4387,7 +4387,7 @@
     </p:spTree>
     <p:extLst>
       <p:ext uri="{BB962C8B-B14F-4D97-AF65-F5344CB8AC3E}">
-        <p14:creationId xmlns="" xmlns:p14="http://schemas.microsoft.com/office/powerpoint/2010/main" val="614752468"/>
+        <p14:creationId xmlns:p14="http://schemas.microsoft.com/office/powerpoint/2010/main" xmlns="" val="614752468"/>
       </p:ext>
     </p:extLst>
   </p:cSld>
@@ -4600,7 +4600,7 @@
             <a:fld id="{48A87A34-81AB-432B-8DAE-1953F412C126}" type="datetimeFigureOut">
               <a:rPr lang="en-US" smtClean="0"/>
               <a:pPr/>
-              <a:t>10/9/2017</a:t>
+              <a:t>10/24/2017</a:t>
             </a:fld>
             <a:endParaRPr lang="en-US" dirty="0"/>
           </a:p>
@@ -4652,7 +4652,7 @@
     </p:spTree>
     <p:extLst>
       <p:ext uri="{BB962C8B-B14F-4D97-AF65-F5344CB8AC3E}">
-        <p14:creationId xmlns="" xmlns:p14="http://schemas.microsoft.com/office/powerpoint/2010/main" val="2525773852"/>
+        <p14:creationId xmlns:p14="http://schemas.microsoft.com/office/powerpoint/2010/main" xmlns="" val="2525773852"/>
       </p:ext>
     </p:extLst>
   </p:cSld>
@@ -5345,7 +5345,7 @@
             <a:fld id="{48A87A34-81AB-432B-8DAE-1953F412C126}" type="datetimeFigureOut">
               <a:rPr lang="en-US" smtClean="0"/>
               <a:pPr/>
-              <a:t>10/9/2017</a:t>
+              <a:t>10/24/2017</a:t>
             </a:fld>
             <a:endParaRPr lang="en-US" dirty="0"/>
           </a:p>
@@ -5431,7 +5431,7 @@
     </p:spTree>
     <p:extLst>
       <p:ext uri="{BB962C8B-B14F-4D97-AF65-F5344CB8AC3E}">
-        <p14:creationId xmlns="" xmlns:p14="http://schemas.microsoft.com/office/powerpoint/2010/main" val="2849168193"/>
+        <p14:creationId xmlns:p14="http://schemas.microsoft.com/office/powerpoint/2010/main" xmlns="" val="2849168193"/>
       </p:ext>
     </p:extLst>
   </p:cSld>
@@ -5910,7 +5910,7 @@
     </p:spTree>
     <p:extLst>
       <p:ext uri="{BB962C8B-B14F-4D97-AF65-F5344CB8AC3E}">
-        <p14:creationId xmlns="" xmlns:p14="http://schemas.microsoft.com/office/powerpoint/2010/main" val="1597654807"/>
+        <p14:creationId xmlns:p14="http://schemas.microsoft.com/office/powerpoint/2010/main" xmlns="" val="1597654807"/>
       </p:ext>
     </p:extLst>
   </p:cSld>
@@ -5994,8 +5994,43 @@
           <a:p>
             <a:r>
               <a:rPr lang="he-IL" sz="4000" dirty="0" smtClean="0"/>
-              <a:t> חזרה ותזכורת</a:t>
-            </a:r>
+              <a:t> חזרה </a:t>
+            </a:r>
+            <a:r>
+              <a:rPr lang="he-IL" sz="4000" dirty="0" smtClean="0"/>
+              <a:t>ותזכורת</a:t>
+            </a:r>
+          </a:p>
+          <a:p>
+            <a:r>
+              <a:rPr lang="he-IL" sz="4000" dirty="0" smtClean="0"/>
+              <a:t>הוספת מנורה לרובוט – רכיב </a:t>
+            </a:r>
+            <a:r>
+              <a:rPr lang="he-IL" sz="4000" dirty="0" smtClean="0"/>
+              <a:t>פלט</a:t>
+            </a:r>
+          </a:p>
+          <a:p>
+            <a:r>
+              <a:rPr lang="he-IL" sz="4000" dirty="0" smtClean="0"/>
+              <a:t>תכנות הרובוט – פקודת הדלקת </a:t>
+            </a:r>
+            <a:r>
+              <a:rPr lang="he-IL" sz="4000" dirty="0" smtClean="0"/>
+              <a:t>הנורה</a:t>
+            </a:r>
+          </a:p>
+          <a:p>
+            <a:r>
+              <a:rPr lang="he-IL" sz="4000" smtClean="0"/>
+              <a:t> </a:t>
+            </a:r>
+            <a:r>
+              <a:rPr lang="he-IL" sz="4000" smtClean="0"/>
+              <a:t>תחרות ריקודים!</a:t>
+            </a:r>
+            <a:endParaRPr lang="he-IL" sz="4000" dirty="0" smtClean="0"/>
           </a:p>
           <a:p>
             <a:r>
@@ -6014,7 +6049,7 @@
     </p:spTree>
     <p:extLst>
       <p:ext uri="{BB962C8B-B14F-4D97-AF65-F5344CB8AC3E}">
-        <p14:creationId xmlns="" xmlns:p14="http://schemas.microsoft.com/office/powerpoint/2010/main" val="2508929371"/>
+        <p14:creationId xmlns:p14="http://schemas.microsoft.com/office/powerpoint/2010/main" xmlns="" val="2508929371"/>
       </p:ext>
     </p:extLst>
   </p:cSld>
@@ -6098,13 +6133,11 @@
           <a:p>
             <a:r>
               <a:rPr lang="he-IL" sz="4000" dirty="0" smtClean="0"/>
-              <a:t>  חיבור הרובוט למחשב</a:t>
-            </a:r>
-          </a:p>
-          <a:p>
+              <a:t>תכנות </a:t>
+            </a:r>
             <a:r>
               <a:rPr lang="he-IL" sz="4000" dirty="0" smtClean="0"/>
-              <a:t> תכנות הרובוט – פקודת הפעלת מנוע</a:t>
+              <a:t>הרובוט – פקודת הפעלת מנוע</a:t>
             </a:r>
           </a:p>
           <a:p>
@@ -6115,9 +6148,8 @@
             </a:r>
           </a:p>
           <a:p>
-            <a:pPr lvl="1"/>
-            <a:r>
-              <a:rPr lang="he-IL" sz="3800" dirty="0" smtClean="0"/>
+            <a:r>
+              <a:rPr lang="he-IL" sz="4000" dirty="0" smtClean="0"/>
               <a:t>סוגי נסיעת רובוט</a:t>
             </a:r>
           </a:p>
@@ -6126,7 +6158,7 @@
     </p:spTree>
     <p:extLst>
       <p:ext uri="{BB962C8B-B14F-4D97-AF65-F5344CB8AC3E}">
-        <p14:creationId xmlns="" xmlns:p14="http://schemas.microsoft.com/office/powerpoint/2010/main" val="2508929371"/>
+        <p14:creationId xmlns:p14="http://schemas.microsoft.com/office/powerpoint/2010/main" xmlns="" val="2508929371"/>
       </p:ext>
     </p:extLst>
   </p:cSld>
@@ -6180,11 +6212,7 @@
             <a:pPr algn="r"/>
             <a:r>
               <a:rPr lang="he-IL" sz="4400" b="1" dirty="0" smtClean="0"/>
-              <a:t>הוספת מנורה לרובוט – </a:t>
-            </a:r>
-            <a:r>
-              <a:rPr lang="he-IL" sz="4400" b="1" smtClean="0"/>
-              <a:t>רכיב פלט</a:t>
+              <a:t>הוספת מנורה לרובוט – רכיב פלט</a:t>
             </a:r>
             <a:endParaRPr lang="he-IL" sz="4400" b="1" dirty="0"/>
           </a:p>
@@ -6365,7 +6393,7 @@
     </p:spTree>
     <p:extLst>
       <p:ext uri="{BB962C8B-B14F-4D97-AF65-F5344CB8AC3E}">
-        <p14:creationId xmlns="" xmlns:p14="http://schemas.microsoft.com/office/powerpoint/2010/main" val="2508929371"/>
+        <p14:creationId xmlns:p14="http://schemas.microsoft.com/office/powerpoint/2010/main" xmlns="" val="2508929371"/>
       </p:ext>
     </p:extLst>
   </p:cSld>
@@ -6588,7 +6616,7 @@
     </p:spTree>
     <p:extLst>
       <p:ext uri="{BB962C8B-B14F-4D97-AF65-F5344CB8AC3E}">
-        <p14:creationId xmlns="" xmlns:p14="http://schemas.microsoft.com/office/powerpoint/2010/main" val="2508929371"/>
+        <p14:creationId xmlns:p14="http://schemas.microsoft.com/office/powerpoint/2010/main" xmlns="" val="2508929371"/>
       </p:ext>
     </p:extLst>
   </p:cSld>
@@ -6753,7 +6781,7 @@
     </p:spTree>
     <p:extLst>
       <p:ext uri="{BB962C8B-B14F-4D97-AF65-F5344CB8AC3E}">
-        <p14:creationId xmlns="" xmlns:p14="http://schemas.microsoft.com/office/powerpoint/2010/main" val="999608912"/>
+        <p14:creationId xmlns:p14="http://schemas.microsoft.com/office/powerpoint/2010/main" xmlns="" val="999608912"/>
       </p:ext>
     </p:extLst>
   </p:cSld>
@@ -6878,7 +6906,7 @@
     </p:spTree>
     <p:extLst>
       <p:ext uri="{BB962C8B-B14F-4D97-AF65-F5344CB8AC3E}">
-        <p14:creationId xmlns="" xmlns:p14="http://schemas.microsoft.com/office/powerpoint/2010/main" val="999608912"/>
+        <p14:creationId xmlns:p14="http://schemas.microsoft.com/office/powerpoint/2010/main" xmlns="" val="999608912"/>
       </p:ext>
     </p:extLst>
   </p:cSld>
@@ -7017,7 +7045,7 @@
     </p:spTree>
     <p:extLst>
       <p:ext uri="{BB962C8B-B14F-4D97-AF65-F5344CB8AC3E}">
-        <p14:creationId xmlns:p14="http://schemas.microsoft.com/office/powerpoint/2010/main" xmlns="" val="2508929371"/>
+        <p14:creationId xmlns="" xmlns:p14="http://schemas.microsoft.com/office/powerpoint/2010/main" val="2508929371"/>
       </p:ext>
     </p:extLst>
   </p:cSld>
@@ -7285,7 +7313,7 @@
   <a:extraClrSchemeLst/>
   <a:extLst>
     <a:ext uri="{05A4C25C-085E-4340-85A3-A5531E510DB2}">
-      <thm15:themeFamily xmlns="" xmlns:thm15="http://schemas.microsoft.com/office/thememl/2012/main" name="Facet" id="{C0C680CD-088A-49FC-A102-D699147F32B2}" vid="{CFBC31BA-B70F-4F30-BCAA-4F3011E16C4D}"/>
+      <thm15:themeFamily xmlns:thm15="http://schemas.microsoft.com/office/thememl/2012/main" xmlns="" name="Facet" id="{C0C680CD-088A-49FC-A102-D699147F32B2}" vid="{CFBC31BA-B70F-4F30-BCAA-4F3011E16C4D}"/>
     </a:ext>
   </a:extLst>
 </a:theme>

--- a/src/ppt6.pptx
+++ b/src/ppt6.pptx
@@ -113,7 +113,7 @@
   </p:defaultTextStyle>
   <p:extLst>
     <p:ext uri="{EFAFB233-063F-42B5-8137-9DF3F51BA10A}">
-      <p15:sldGuideLst xmlns:p15="http://schemas.microsoft.com/office/powerpoint/2012/main" xmlns=""/>
+      <p15:sldGuideLst xmlns="" xmlns:p15="http://schemas.microsoft.com/office/powerpoint/2012/main"/>
     </p:ext>
   </p:extLst>
 </p:presentation>
@@ -842,7 +842,7 @@
             <a:fld id="{48A87A34-81AB-432B-8DAE-1953F412C126}" type="datetimeFigureOut">
               <a:rPr lang="en-US" smtClean="0"/>
               <a:pPr/>
-              <a:t>10/24/2017</a:t>
+              <a:t>11/7/2017</a:t>
             </a:fld>
             <a:endParaRPr lang="en-US" dirty="0"/>
           </a:p>
@@ -894,7 +894,7 @@
     </p:spTree>
     <p:extLst>
       <p:ext uri="{BB962C8B-B14F-4D97-AF65-F5344CB8AC3E}">
-        <p14:creationId xmlns:p14="http://schemas.microsoft.com/office/powerpoint/2010/main" xmlns="" val="2379700270"/>
+        <p14:creationId xmlns="" xmlns:p14="http://schemas.microsoft.com/office/powerpoint/2010/main" val="2379700270"/>
       </p:ext>
     </p:extLst>
   </p:cSld>
@@ -1095,7 +1095,7 @@
             <a:fld id="{48A87A34-81AB-432B-8DAE-1953F412C126}" type="datetimeFigureOut">
               <a:rPr lang="en-US" smtClean="0"/>
               <a:pPr/>
-              <a:t>10/24/2017</a:t>
+              <a:t>11/7/2017</a:t>
             </a:fld>
             <a:endParaRPr lang="en-US" dirty="0"/>
           </a:p>
@@ -1147,7 +1147,7 @@
     </p:spTree>
     <p:extLst>
       <p:ext uri="{BB962C8B-B14F-4D97-AF65-F5344CB8AC3E}">
-        <p14:creationId xmlns:p14="http://schemas.microsoft.com/office/powerpoint/2010/main" xmlns="" val="1804991245"/>
+        <p14:creationId xmlns="" xmlns:p14="http://schemas.microsoft.com/office/powerpoint/2010/main" val="1804991245"/>
       </p:ext>
     </p:extLst>
   </p:cSld>
@@ -1411,7 +1411,7 @@
             <a:fld id="{48A87A34-81AB-432B-8DAE-1953F412C126}" type="datetimeFigureOut">
               <a:rPr lang="en-US" smtClean="0"/>
               <a:pPr/>
-              <a:t>10/24/2017</a:t>
+              <a:t>11/7/2017</a:t>
             </a:fld>
             <a:endParaRPr lang="en-US" dirty="0"/>
           </a:p>
@@ -1553,7 +1553,7 @@
     </p:spTree>
     <p:extLst>
       <p:ext uri="{BB962C8B-B14F-4D97-AF65-F5344CB8AC3E}">
-        <p14:creationId xmlns:p14="http://schemas.microsoft.com/office/powerpoint/2010/main" xmlns="" val="1473712570"/>
+        <p14:creationId xmlns="" xmlns:p14="http://schemas.microsoft.com/office/powerpoint/2010/main" val="1473712570"/>
       </p:ext>
     </p:extLst>
   </p:cSld>
@@ -1754,7 +1754,7 @@
             <a:fld id="{48A87A34-81AB-432B-8DAE-1953F412C126}" type="datetimeFigureOut">
               <a:rPr lang="en-US" smtClean="0"/>
               <a:pPr/>
-              <a:t>10/24/2017</a:t>
+              <a:t>11/7/2017</a:t>
             </a:fld>
             <a:endParaRPr lang="en-US" dirty="0"/>
           </a:p>
@@ -1806,7 +1806,7 @@
     </p:spTree>
     <p:extLst>
       <p:ext uri="{BB962C8B-B14F-4D97-AF65-F5344CB8AC3E}">
-        <p14:creationId xmlns:p14="http://schemas.microsoft.com/office/powerpoint/2010/main" xmlns="" val="2530574234"/>
+        <p14:creationId xmlns="" xmlns:p14="http://schemas.microsoft.com/office/powerpoint/2010/main" val="2530574234"/>
       </p:ext>
     </p:extLst>
   </p:cSld>
@@ -2070,7 +2070,7 @@
             <a:fld id="{48A87A34-81AB-432B-8DAE-1953F412C126}" type="datetimeFigureOut">
               <a:rPr lang="en-US" smtClean="0"/>
               <a:pPr/>
-              <a:t>10/24/2017</a:t>
+              <a:t>11/7/2017</a:t>
             </a:fld>
             <a:endParaRPr lang="en-US" dirty="0"/>
           </a:p>
@@ -2204,7 +2204,7 @@
     </p:spTree>
     <p:extLst>
       <p:ext uri="{BB962C8B-B14F-4D97-AF65-F5344CB8AC3E}">
-        <p14:creationId xmlns:p14="http://schemas.microsoft.com/office/powerpoint/2010/main" xmlns="" val="1004790222"/>
+        <p14:creationId xmlns="" xmlns:p14="http://schemas.microsoft.com/office/powerpoint/2010/main" val="1004790222"/>
       </p:ext>
     </p:extLst>
   </p:cSld>
@@ -2465,7 +2465,7 @@
             <a:fld id="{48A87A34-81AB-432B-8DAE-1953F412C126}" type="datetimeFigureOut">
               <a:rPr lang="en-US" smtClean="0"/>
               <a:pPr/>
-              <a:t>10/24/2017</a:t>
+              <a:t>11/7/2017</a:t>
             </a:fld>
             <a:endParaRPr lang="en-US" dirty="0"/>
           </a:p>
@@ -2517,7 +2517,7 @@
     </p:spTree>
     <p:extLst>
       <p:ext uri="{BB962C8B-B14F-4D97-AF65-F5344CB8AC3E}">
-        <p14:creationId xmlns:p14="http://schemas.microsoft.com/office/powerpoint/2010/main" xmlns="" val="3328784466"/>
+        <p14:creationId xmlns="" xmlns:p14="http://schemas.microsoft.com/office/powerpoint/2010/main" val="3328784466"/>
       </p:ext>
     </p:extLst>
   </p:cSld>
@@ -2637,7 +2637,7 @@
             <a:fld id="{48A87A34-81AB-432B-8DAE-1953F412C126}" type="datetimeFigureOut">
               <a:rPr lang="en-US" smtClean="0"/>
               <a:pPr/>
-              <a:t>10/24/2017</a:t>
+              <a:t>11/7/2017</a:t>
             </a:fld>
             <a:endParaRPr lang="en-US" dirty="0"/>
           </a:p>
@@ -2689,7 +2689,7 @@
     </p:spTree>
     <p:extLst>
       <p:ext uri="{BB962C8B-B14F-4D97-AF65-F5344CB8AC3E}">
-        <p14:creationId xmlns:p14="http://schemas.microsoft.com/office/powerpoint/2010/main" xmlns="" val="1447070425"/>
+        <p14:creationId xmlns="" xmlns:p14="http://schemas.microsoft.com/office/powerpoint/2010/main" val="1447070425"/>
       </p:ext>
     </p:extLst>
   </p:cSld>
@@ -2819,7 +2819,7 @@
             <a:fld id="{48A87A34-81AB-432B-8DAE-1953F412C126}" type="datetimeFigureOut">
               <a:rPr lang="en-US" smtClean="0"/>
               <a:pPr/>
-              <a:t>10/24/2017</a:t>
+              <a:t>11/7/2017</a:t>
             </a:fld>
             <a:endParaRPr lang="en-US" dirty="0"/>
           </a:p>
@@ -2871,7 +2871,7 @@
     </p:spTree>
     <p:extLst>
       <p:ext uri="{BB962C8B-B14F-4D97-AF65-F5344CB8AC3E}">
-        <p14:creationId xmlns:p14="http://schemas.microsoft.com/office/powerpoint/2010/main" xmlns="" val="3648480235"/>
+        <p14:creationId xmlns="" xmlns:p14="http://schemas.microsoft.com/office/powerpoint/2010/main" val="3648480235"/>
       </p:ext>
     </p:extLst>
   </p:cSld>
@@ -2997,7 +2997,7 @@
             <a:fld id="{48A87A34-81AB-432B-8DAE-1953F412C126}" type="datetimeFigureOut">
               <a:rPr lang="en-US" smtClean="0"/>
               <a:pPr/>
-              <a:t>10/24/2017</a:t>
+              <a:t>11/7/2017</a:t>
             </a:fld>
             <a:endParaRPr lang="en-US" dirty="0"/>
           </a:p>
@@ -3049,7 +3049,7 @@
     </p:spTree>
     <p:extLst>
       <p:ext uri="{BB962C8B-B14F-4D97-AF65-F5344CB8AC3E}">
-        <p14:creationId xmlns:p14="http://schemas.microsoft.com/office/powerpoint/2010/main" xmlns="" val="2649633687"/>
+        <p14:creationId xmlns="" xmlns:p14="http://schemas.microsoft.com/office/powerpoint/2010/main" val="2649633687"/>
       </p:ext>
     </p:extLst>
   </p:cSld>
@@ -3246,7 +3246,7 @@
             <a:fld id="{48A87A34-81AB-432B-8DAE-1953F412C126}" type="datetimeFigureOut">
               <a:rPr lang="en-US" smtClean="0"/>
               <a:pPr/>
-              <a:t>10/24/2017</a:t>
+              <a:t>11/7/2017</a:t>
             </a:fld>
             <a:endParaRPr lang="en-US" dirty="0"/>
           </a:p>
@@ -3298,7 +3298,7 @@
     </p:spTree>
     <p:extLst>
       <p:ext uri="{BB962C8B-B14F-4D97-AF65-F5344CB8AC3E}">
-        <p14:creationId xmlns:p14="http://schemas.microsoft.com/office/powerpoint/2010/main" xmlns="" val="572893903"/>
+        <p14:creationId xmlns="" xmlns:p14="http://schemas.microsoft.com/office/powerpoint/2010/main" val="572893903"/>
       </p:ext>
     </p:extLst>
   </p:cSld>
@@ -3480,7 +3480,7 @@
             <a:fld id="{48A87A34-81AB-432B-8DAE-1953F412C126}" type="datetimeFigureOut">
               <a:rPr lang="en-US" smtClean="0"/>
               <a:pPr/>
-              <a:t>10/24/2017</a:t>
+              <a:t>11/7/2017</a:t>
             </a:fld>
             <a:endParaRPr lang="en-US" dirty="0"/>
           </a:p>
@@ -3532,7 +3532,7 @@
     </p:spTree>
     <p:extLst>
       <p:ext uri="{BB962C8B-B14F-4D97-AF65-F5344CB8AC3E}">
-        <p14:creationId xmlns:p14="http://schemas.microsoft.com/office/powerpoint/2010/main" xmlns="" val="3918475607"/>
+        <p14:creationId xmlns="" xmlns:p14="http://schemas.microsoft.com/office/powerpoint/2010/main" val="3918475607"/>
       </p:ext>
     </p:extLst>
   </p:cSld>
@@ -3856,7 +3856,7 @@
             <a:fld id="{48A87A34-81AB-432B-8DAE-1953F412C126}" type="datetimeFigureOut">
               <a:rPr lang="en-US" smtClean="0"/>
               <a:pPr/>
-              <a:t>10/24/2017</a:t>
+              <a:t>11/7/2017</a:t>
             </a:fld>
             <a:endParaRPr lang="en-US" dirty="0"/>
           </a:p>
@@ -3908,7 +3908,7 @@
     </p:spTree>
     <p:extLst>
       <p:ext uri="{BB962C8B-B14F-4D97-AF65-F5344CB8AC3E}">
-        <p14:creationId xmlns:p14="http://schemas.microsoft.com/office/powerpoint/2010/main" xmlns="" val="70569158"/>
+        <p14:creationId xmlns="" xmlns:p14="http://schemas.microsoft.com/office/powerpoint/2010/main" val="70569158"/>
       </p:ext>
     </p:extLst>
   </p:cSld>
@@ -3981,7 +3981,7 @@
             <a:fld id="{48A87A34-81AB-432B-8DAE-1953F412C126}" type="datetimeFigureOut">
               <a:rPr lang="en-US" smtClean="0"/>
               <a:pPr/>
-              <a:t>10/24/2017</a:t>
+              <a:t>11/7/2017</a:t>
             </a:fld>
             <a:endParaRPr lang="en-US" dirty="0"/>
           </a:p>
@@ -4033,7 +4033,7 @@
     </p:spTree>
     <p:extLst>
       <p:ext uri="{BB962C8B-B14F-4D97-AF65-F5344CB8AC3E}">
-        <p14:creationId xmlns:p14="http://schemas.microsoft.com/office/powerpoint/2010/main" xmlns="" val="3956773614"/>
+        <p14:creationId xmlns="" xmlns:p14="http://schemas.microsoft.com/office/powerpoint/2010/main" val="3956773614"/>
       </p:ext>
     </p:extLst>
   </p:cSld>
@@ -4078,7 +4078,7 @@
             <a:fld id="{48A87A34-81AB-432B-8DAE-1953F412C126}" type="datetimeFigureOut">
               <a:rPr lang="en-US" smtClean="0"/>
               <a:pPr/>
-              <a:t>10/24/2017</a:t>
+              <a:t>11/7/2017</a:t>
             </a:fld>
             <a:endParaRPr lang="en-US" dirty="0"/>
           </a:p>
@@ -4130,7 +4130,7 @@
     </p:spTree>
     <p:extLst>
       <p:ext uri="{BB962C8B-B14F-4D97-AF65-F5344CB8AC3E}">
-        <p14:creationId xmlns:p14="http://schemas.microsoft.com/office/powerpoint/2010/main" xmlns="" val="843387325"/>
+        <p14:creationId xmlns="" xmlns:p14="http://schemas.microsoft.com/office/powerpoint/2010/main" val="843387325"/>
       </p:ext>
     </p:extLst>
   </p:cSld>
@@ -4335,7 +4335,7 @@
             <a:fld id="{48A87A34-81AB-432B-8DAE-1953F412C126}" type="datetimeFigureOut">
               <a:rPr lang="en-US" smtClean="0"/>
               <a:pPr/>
-              <a:t>10/24/2017</a:t>
+              <a:t>11/7/2017</a:t>
             </a:fld>
             <a:endParaRPr lang="en-US" dirty="0"/>
           </a:p>
@@ -4387,7 +4387,7 @@
     </p:spTree>
     <p:extLst>
       <p:ext uri="{BB962C8B-B14F-4D97-AF65-F5344CB8AC3E}">
-        <p14:creationId xmlns:p14="http://schemas.microsoft.com/office/powerpoint/2010/main" xmlns="" val="614752468"/>
+        <p14:creationId xmlns="" xmlns:p14="http://schemas.microsoft.com/office/powerpoint/2010/main" val="614752468"/>
       </p:ext>
     </p:extLst>
   </p:cSld>
@@ -4600,7 +4600,7 @@
             <a:fld id="{48A87A34-81AB-432B-8DAE-1953F412C126}" type="datetimeFigureOut">
               <a:rPr lang="en-US" smtClean="0"/>
               <a:pPr/>
-              <a:t>10/24/2017</a:t>
+              <a:t>11/7/2017</a:t>
             </a:fld>
             <a:endParaRPr lang="en-US" dirty="0"/>
           </a:p>
@@ -4652,7 +4652,7 @@
     </p:spTree>
     <p:extLst>
       <p:ext uri="{BB962C8B-B14F-4D97-AF65-F5344CB8AC3E}">
-        <p14:creationId xmlns:p14="http://schemas.microsoft.com/office/powerpoint/2010/main" xmlns="" val="2525773852"/>
+        <p14:creationId xmlns="" xmlns:p14="http://schemas.microsoft.com/office/powerpoint/2010/main" val="2525773852"/>
       </p:ext>
     </p:extLst>
   </p:cSld>
@@ -5345,7 +5345,7 @@
             <a:fld id="{48A87A34-81AB-432B-8DAE-1953F412C126}" type="datetimeFigureOut">
               <a:rPr lang="en-US" smtClean="0"/>
               <a:pPr/>
-              <a:t>10/24/2017</a:t>
+              <a:t>11/7/2017</a:t>
             </a:fld>
             <a:endParaRPr lang="en-US" dirty="0"/>
           </a:p>
@@ -5431,7 +5431,7 @@
     </p:spTree>
     <p:extLst>
       <p:ext uri="{BB962C8B-B14F-4D97-AF65-F5344CB8AC3E}">
-        <p14:creationId xmlns:p14="http://schemas.microsoft.com/office/powerpoint/2010/main" xmlns="" val="2849168193"/>
+        <p14:creationId xmlns="" xmlns:p14="http://schemas.microsoft.com/office/powerpoint/2010/main" val="2849168193"/>
       </p:ext>
     </p:extLst>
   </p:cSld>
@@ -5910,7 +5910,7 @@
     </p:spTree>
     <p:extLst>
       <p:ext uri="{BB962C8B-B14F-4D97-AF65-F5344CB8AC3E}">
-        <p14:creationId xmlns:p14="http://schemas.microsoft.com/office/powerpoint/2010/main" xmlns="" val="1597654807"/>
+        <p14:creationId xmlns="" xmlns:p14="http://schemas.microsoft.com/office/powerpoint/2010/main" val="1597654807"/>
       </p:ext>
     </p:extLst>
   </p:cSld>
@@ -5994,41 +5994,25 @@
           <a:p>
             <a:r>
               <a:rPr lang="he-IL" sz="4000" dirty="0" smtClean="0"/>
-              <a:t> חזרה </a:t>
-            </a:r>
+              <a:t> חזרה ותזכורת</a:t>
+            </a:r>
+          </a:p>
+          <a:p>
             <a:r>
               <a:rPr lang="he-IL" sz="4000" dirty="0" smtClean="0"/>
-              <a:t>ותזכורת</a:t>
+              <a:t>הוספת מנורה לרובוט – רכיב פלט</a:t>
             </a:r>
           </a:p>
           <a:p>
             <a:r>
               <a:rPr lang="he-IL" sz="4000" dirty="0" smtClean="0"/>
-              <a:t>הוספת מנורה לרובוט – רכיב </a:t>
-            </a:r>
-            <a:r>
-              <a:rPr lang="he-IL" sz="4000" dirty="0" smtClean="0"/>
-              <a:t>פלט</a:t>
-            </a:r>
-          </a:p>
-          <a:p>
-            <a:r>
-              <a:rPr lang="he-IL" sz="4000" dirty="0" smtClean="0"/>
-              <a:t>תכנות הרובוט – פקודת הדלקת </a:t>
-            </a:r>
-            <a:r>
-              <a:rPr lang="he-IL" sz="4000" dirty="0" smtClean="0"/>
-              <a:t>הנורה</a:t>
+              <a:t>תכנות הרובוט – פקודת הדלקת הנורה</a:t>
             </a:r>
           </a:p>
           <a:p>
             <a:r>
               <a:rPr lang="he-IL" sz="4000" smtClean="0"/>
-              <a:t> </a:t>
-            </a:r>
-            <a:r>
-              <a:rPr lang="he-IL" sz="4000" smtClean="0"/>
-              <a:t>תחרות ריקודים!</a:t>
+              <a:t> תחרות ריקודים!</a:t>
             </a:r>
             <a:endParaRPr lang="he-IL" sz="4000" dirty="0" smtClean="0"/>
           </a:p>
@@ -6049,7 +6033,7 @@
     </p:spTree>
     <p:extLst>
       <p:ext uri="{BB962C8B-B14F-4D97-AF65-F5344CB8AC3E}">
-        <p14:creationId xmlns:p14="http://schemas.microsoft.com/office/powerpoint/2010/main" xmlns="" val="2508929371"/>
+        <p14:creationId xmlns="" xmlns:p14="http://schemas.microsoft.com/office/powerpoint/2010/main" val="2508929371"/>
       </p:ext>
     </p:extLst>
   </p:cSld>
@@ -6133,11 +6117,7 @@
           <a:p>
             <a:r>
               <a:rPr lang="he-IL" sz="4000" dirty="0" smtClean="0"/>
-              <a:t>תכנות </a:t>
-            </a:r>
-            <a:r>
-              <a:rPr lang="he-IL" sz="4000" dirty="0" smtClean="0"/>
-              <a:t>הרובוט – פקודת הפעלת מנוע</a:t>
+              <a:t>תכנות הרובוט – פקודת הפעלת מנוע</a:t>
             </a:r>
           </a:p>
           <a:p>
@@ -6158,7 +6138,7 @@
     </p:spTree>
     <p:extLst>
       <p:ext uri="{BB962C8B-B14F-4D97-AF65-F5344CB8AC3E}">
-        <p14:creationId xmlns:p14="http://schemas.microsoft.com/office/powerpoint/2010/main" xmlns="" val="2508929371"/>
+        <p14:creationId xmlns="" xmlns:p14="http://schemas.microsoft.com/office/powerpoint/2010/main" val="2508929371"/>
       </p:ext>
     </p:extLst>
   </p:cSld>
@@ -6276,45 +6256,68 @@
             <a:pPr lvl="1"/>
             <a:r>
               <a:rPr lang="he-IL" sz="2800" dirty="0" smtClean="0"/>
-              <a:t>כמו המנוע, המנורה היא רכיב פלט הדורש חשמל</a:t>
+              <a:t>כמו המנוע, </a:t>
+            </a:r>
+            <a:r>
+              <a:rPr lang="he-IL" sz="2800" dirty="0" smtClean="0"/>
+              <a:t>גם המנורה </a:t>
+            </a:r>
+            <a:r>
+              <a:rPr lang="he-IL" sz="2800" dirty="0" smtClean="0"/>
+              <a:t>היא רכיב פלט הדורש חשמל</a:t>
             </a:r>
           </a:p>
           <a:p>
             <a:pPr lvl="2"/>
             <a:r>
-              <a:rPr lang="he-IL" sz="2800" dirty="0" smtClean="0"/>
-              <a:t>חיבור מחבר אחד לכניסת פלט </a:t>
-            </a:r>
-            <a:r>
-              <a:rPr lang="en-US" sz="2800" dirty="0" smtClean="0"/>
+              <a:rPr lang="he-IL" sz="2400" dirty="0" smtClean="0"/>
+              <a:t>חיבור </a:t>
+            </a:r>
+            <a:r>
+              <a:rPr lang="he-IL" sz="2400" dirty="0" smtClean="0"/>
+              <a:t>בסיסי: לאחד מיציאות הפלט הכפולות </a:t>
+            </a:r>
+            <a:r>
+              <a:rPr lang="en-US" sz="2400" dirty="0" smtClean="0"/>
+              <a:t>M1-M4</a:t>
+            </a:r>
+            <a:endParaRPr lang="he-IL" sz="2400" dirty="0" smtClean="0"/>
+          </a:p>
+          <a:p>
+            <a:pPr lvl="2"/>
+            <a:r>
+              <a:rPr lang="he-IL" sz="2400" dirty="0" smtClean="0"/>
+              <a:t>חיבור מתקדם: מחבר </a:t>
+            </a:r>
+            <a:r>
+              <a:rPr lang="he-IL" sz="2400" dirty="0" smtClean="0"/>
+              <a:t>אחד </a:t>
+            </a:r>
+            <a:r>
+              <a:rPr lang="he-IL" sz="2400" dirty="0" smtClean="0"/>
+              <a:t>ליציאת פלט </a:t>
+            </a:r>
+            <a:r>
+              <a:rPr lang="en-US" sz="2400" dirty="0" smtClean="0"/>
               <a:t>01-08</a:t>
             </a:r>
             <a:r>
-              <a:rPr lang="he-IL" sz="2800" dirty="0" smtClean="0"/>
-              <a:t> בבקר</a:t>
-            </a:r>
-          </a:p>
-          <a:p>
-            <a:pPr lvl="2"/>
-            <a:r>
-              <a:rPr lang="he-IL" sz="2800" dirty="0" smtClean="0"/>
-              <a:t>חיבור מחבר שני לכניסת הארקה כלשהי בבקר</a:t>
-            </a:r>
-          </a:p>
-          <a:p>
-            <a:pPr lvl="3"/>
-            <a:r>
-              <a:rPr lang="he-IL" sz="2600" dirty="0" smtClean="0"/>
-              <a:t>למשל: אחת הכניסות השמאליות ב </a:t>
-            </a:r>
-            <a:r>
-              <a:rPr lang="en-US" sz="2600" dirty="0" smtClean="0"/>
-              <a:t>C1-C4</a:t>
-            </a:r>
-            <a:endParaRPr lang="he-IL" sz="2600" dirty="0" smtClean="0"/>
-          </a:p>
-          <a:p>
-            <a:endParaRPr lang="he-IL" sz="3200" dirty="0" smtClean="0"/>
+              <a:rPr lang="he-IL" sz="2400" dirty="0" smtClean="0"/>
+              <a:t> </a:t>
+            </a:r>
+            <a:r>
+              <a:rPr lang="he-IL" sz="2400" dirty="0" smtClean="0"/>
+              <a:t>בבקר   ומחבר </a:t>
+            </a:r>
+            <a:r>
+              <a:rPr lang="he-IL" sz="2400" dirty="0" smtClean="0"/>
+              <a:t>שני לכניסת הארקה כלשהי </a:t>
+            </a:r>
+            <a:r>
+              <a:rPr lang="he-IL" sz="2400" dirty="0" smtClean="0"/>
+              <a:t>בבקר</a:t>
+            </a:r>
+            <a:endParaRPr lang="he-IL" sz="2400" dirty="0" smtClean="0"/>
           </a:p>
         </p:txBody>
       </p:sp>
@@ -6393,7 +6396,7 @@
     </p:spTree>
     <p:extLst>
       <p:ext uri="{BB962C8B-B14F-4D97-AF65-F5344CB8AC3E}">
-        <p14:creationId xmlns:p14="http://schemas.microsoft.com/office/powerpoint/2010/main" xmlns="" val="2508929371"/>
+        <p14:creationId xmlns="" xmlns:p14="http://schemas.microsoft.com/office/powerpoint/2010/main" val="2508929371"/>
       </p:ext>
     </p:extLst>
   </p:cSld>
@@ -6616,7 +6619,7 @@
     </p:spTree>
     <p:extLst>
       <p:ext uri="{BB962C8B-B14F-4D97-AF65-F5344CB8AC3E}">
-        <p14:creationId xmlns:p14="http://schemas.microsoft.com/office/powerpoint/2010/main" xmlns="" val="2508929371"/>
+        <p14:creationId xmlns="" xmlns:p14="http://schemas.microsoft.com/office/powerpoint/2010/main" val="2508929371"/>
       </p:ext>
     </p:extLst>
   </p:cSld>
@@ -6729,13 +6732,29 @@
             <a:pPr lvl="2"/>
             <a:r>
               <a:rPr lang="he-IL" sz="2800" dirty="0" smtClean="0"/>
-              <a:t> מהירות 0 = כיבוי הנורה</a:t>
+              <a:t> </a:t>
+            </a:r>
+            <a:r>
+              <a:rPr lang="he-IL" sz="2800" dirty="0" smtClean="0"/>
+              <a:t>עוצמה 0 </a:t>
+            </a:r>
+            <a:r>
+              <a:rPr lang="he-IL" sz="2800" dirty="0" smtClean="0"/>
+              <a:t>= כיבוי הנורה</a:t>
             </a:r>
           </a:p>
           <a:p>
             <a:r>
               <a:rPr lang="he-IL" sz="3400" dirty="0" smtClean="0"/>
-              <a:t> הדליקו את הנורה ובדקו את כיצת עוצמתה משתנה ברמות השונות בין 0 ל-8.</a:t>
+              <a:t> הדליקו את הנורה ובדקו את </a:t>
+            </a:r>
+            <a:r>
+              <a:rPr lang="he-IL" sz="3400" dirty="0" smtClean="0"/>
+              <a:t>כיצד </a:t>
+            </a:r>
+            <a:r>
+              <a:rPr lang="he-IL" sz="3400" dirty="0" smtClean="0"/>
+              <a:t>עוצמתה משתנה ברמות השונות בין 0 ל-8.</a:t>
             </a:r>
           </a:p>
           <a:p>
@@ -6781,7 +6800,7 @@
     </p:spTree>
     <p:extLst>
       <p:ext uri="{BB962C8B-B14F-4D97-AF65-F5344CB8AC3E}">
-        <p14:creationId xmlns:p14="http://schemas.microsoft.com/office/powerpoint/2010/main" xmlns="" val="999608912"/>
+        <p14:creationId xmlns="" xmlns:p14="http://schemas.microsoft.com/office/powerpoint/2010/main" val="999608912"/>
       </p:ext>
     </p:extLst>
   </p:cSld>
@@ -6906,7 +6925,7 @@
     </p:spTree>
     <p:extLst>
       <p:ext uri="{BB962C8B-B14F-4D97-AF65-F5344CB8AC3E}">
-        <p14:creationId xmlns:p14="http://schemas.microsoft.com/office/powerpoint/2010/main" xmlns="" val="999608912"/>
+        <p14:creationId xmlns="" xmlns:p14="http://schemas.microsoft.com/office/powerpoint/2010/main" val="999608912"/>
       </p:ext>
     </p:extLst>
   </p:cSld>
@@ -7045,7 +7064,7 @@
     </p:spTree>
     <p:extLst>
       <p:ext uri="{BB962C8B-B14F-4D97-AF65-F5344CB8AC3E}">
-        <p14:creationId xmlns="" xmlns:p14="http://schemas.microsoft.com/office/powerpoint/2010/main" val="2508929371"/>
+        <p14:creationId xmlns:p14="http://schemas.microsoft.com/office/powerpoint/2010/main" xmlns="" val="2508929371"/>
       </p:ext>
     </p:extLst>
   </p:cSld>
@@ -7313,7 +7332,7 @@
   <a:extraClrSchemeLst/>
   <a:extLst>
     <a:ext uri="{05A4C25C-085E-4340-85A3-A5531E510DB2}">
-      <thm15:themeFamily xmlns:thm15="http://schemas.microsoft.com/office/thememl/2012/main" xmlns="" name="Facet" id="{C0C680CD-088A-49FC-A102-D699147F32B2}" vid="{CFBC31BA-B70F-4F30-BCAA-4F3011E16C4D}"/>
+      <thm15:themeFamily xmlns="" xmlns:thm15="http://schemas.microsoft.com/office/thememl/2012/main" name="Facet" id="{C0C680CD-088A-49FC-A102-D699147F32B2}" vid="{CFBC31BA-B70F-4F30-BCAA-4F3011E16C4D}"/>
     </a:ext>
   </a:extLst>
 </a:theme>
